--- a/doc/tex/power_point_guides/Netxpto - NetPlanner.pptx
+++ b/doc/tex/power_point_guides/Netxpto - NetPlanner.pptx
@@ -647,7 +647,7 @@
           <a:p>
             <a:fld id="{FF4596AF-FE92-4972-B8AE-3D97864DAC2D}" type="datetimeFigureOut">
               <a:rPr lang="en-US" smtClean="0"/>
-              <a:t>5/20/2020</a:t>
+              <a:t>5/27/2020</a:t>
             </a:fld>
             <a:endParaRPr lang="en-US"/>
           </a:p>
@@ -845,7 +845,7 @@
           <a:p>
             <a:fld id="{FF4596AF-FE92-4972-B8AE-3D97864DAC2D}" type="datetimeFigureOut">
               <a:rPr lang="en-US" smtClean="0"/>
-              <a:t>5/20/2020</a:t>
+              <a:t>5/27/2020</a:t>
             </a:fld>
             <a:endParaRPr lang="en-US"/>
           </a:p>
@@ -1053,7 +1053,7 @@
           <a:p>
             <a:fld id="{FF4596AF-FE92-4972-B8AE-3D97864DAC2D}" type="datetimeFigureOut">
               <a:rPr lang="en-US" smtClean="0"/>
-              <a:t>5/20/2020</a:t>
+              <a:t>5/27/2020</a:t>
             </a:fld>
             <a:endParaRPr lang="en-US"/>
           </a:p>
@@ -1251,7 +1251,7 @@
           <a:p>
             <a:fld id="{FF4596AF-FE92-4972-B8AE-3D97864DAC2D}" type="datetimeFigureOut">
               <a:rPr lang="en-US" smtClean="0"/>
-              <a:t>5/20/2020</a:t>
+              <a:t>5/27/2020</a:t>
             </a:fld>
             <a:endParaRPr lang="en-US"/>
           </a:p>
@@ -1526,7 +1526,7 @@
           <a:p>
             <a:fld id="{FF4596AF-FE92-4972-B8AE-3D97864DAC2D}" type="datetimeFigureOut">
               <a:rPr lang="en-US" smtClean="0"/>
-              <a:t>5/20/2020</a:t>
+              <a:t>5/27/2020</a:t>
             </a:fld>
             <a:endParaRPr lang="en-US"/>
           </a:p>
@@ -1791,7 +1791,7 @@
           <a:p>
             <a:fld id="{FF4596AF-FE92-4972-B8AE-3D97864DAC2D}" type="datetimeFigureOut">
               <a:rPr lang="en-US" smtClean="0"/>
-              <a:t>5/20/2020</a:t>
+              <a:t>5/27/2020</a:t>
             </a:fld>
             <a:endParaRPr lang="en-US"/>
           </a:p>
@@ -2203,7 +2203,7 @@
           <a:p>
             <a:fld id="{FF4596AF-FE92-4972-B8AE-3D97864DAC2D}" type="datetimeFigureOut">
               <a:rPr lang="en-US" smtClean="0"/>
-              <a:t>5/20/2020</a:t>
+              <a:t>5/27/2020</a:t>
             </a:fld>
             <a:endParaRPr lang="en-US"/>
           </a:p>
@@ -2344,7 +2344,7 @@
           <a:p>
             <a:fld id="{FF4596AF-FE92-4972-B8AE-3D97864DAC2D}" type="datetimeFigureOut">
               <a:rPr lang="en-US" smtClean="0"/>
-              <a:t>5/20/2020</a:t>
+              <a:t>5/27/2020</a:t>
             </a:fld>
             <a:endParaRPr lang="en-US"/>
           </a:p>
@@ -2457,7 +2457,7 @@
           <a:p>
             <a:fld id="{FF4596AF-FE92-4972-B8AE-3D97864DAC2D}" type="datetimeFigureOut">
               <a:rPr lang="en-US" smtClean="0"/>
-              <a:t>5/20/2020</a:t>
+              <a:t>5/27/2020</a:t>
             </a:fld>
             <a:endParaRPr lang="en-US"/>
           </a:p>
@@ -2768,7 +2768,7 @@
           <a:p>
             <a:fld id="{FF4596AF-FE92-4972-B8AE-3D97864DAC2D}" type="datetimeFigureOut">
               <a:rPr lang="en-US" smtClean="0"/>
-              <a:t>5/20/2020</a:t>
+              <a:t>5/27/2020</a:t>
             </a:fld>
             <a:endParaRPr lang="en-US"/>
           </a:p>
@@ -3056,7 +3056,7 @@
           <a:p>
             <a:fld id="{FF4596AF-FE92-4972-B8AE-3D97864DAC2D}" type="datetimeFigureOut">
               <a:rPr lang="en-US" smtClean="0"/>
-              <a:t>5/20/2020</a:t>
+              <a:t>5/27/2020</a:t>
             </a:fld>
             <a:endParaRPr lang="en-US"/>
           </a:p>
@@ -3297,7 +3297,7 @@
           <a:p>
             <a:fld id="{FF4596AF-FE92-4972-B8AE-3D97864DAC2D}" type="datetimeFigureOut">
               <a:rPr lang="en-US" smtClean="0"/>
-              <a:t>5/20/2020</a:t>
+              <a:t>5/27/2020</a:t>
             </a:fld>
             <a:endParaRPr lang="en-US"/>
           </a:p>
@@ -4443,6 +4443,22 @@
             <a:r>
               <a:rPr lang="en-US" sz="1700" i="1" dirty="0" err="1"/>
               <a:t>transportMode</a:t>
+            </a:r>
+            <a:r>
+              <a:rPr lang="en-US" sz="1700" i="1" dirty="0"/>
+              <a:t> </a:t>
+            </a:r>
+            <a:r>
+              <a:rPr lang="en-US" sz="1700" dirty="0"/>
+              <a:t>(it works for </a:t>
+            </a:r>
+            <a:r>
+              <a:rPr lang="en-US" sz="1700" u="sng" dirty="0"/>
+              <a:t>transparent</a:t>
+            </a:r>
+            <a:r>
+              <a:rPr lang="en-US" sz="1700" dirty="0"/>
+              <a:t> only)</a:t>
             </a:r>
             <a:endParaRPr lang="en-US" sz="1700" i="1" dirty="0"/>
           </a:p>
@@ -5130,6 +5146,21 @@
 </file>
 
 <file path=customXml/item1.xml><?xml version="1.0" encoding="utf-8"?>
+<p:properties xmlns:p="http://schemas.microsoft.com/office/2006/metadata/properties" xmlns:xsi="http://www.w3.org/2001/XMLSchema-instance" xmlns:pc="http://schemas.microsoft.com/office/infopath/2007/PartnerControls">
+  <documentManagement/>
+</p:properties>
+</file>
+
+<file path=customXml/item2.xml><?xml version="1.0" encoding="utf-8"?>
+<?mso-contentType ?>
+<FormTemplates xmlns="http://schemas.microsoft.com/sharepoint/v3/contenttype/forms">
+  <Display>DocumentLibraryForm</Display>
+  <Edit>DocumentLibraryForm</Edit>
+  <New>DocumentLibraryForm</New>
+</FormTemplates>
+</file>
+
+<file path=customXml/item3.xml><?xml version="1.0" encoding="utf-8"?>
 <ct:contentTypeSchema xmlns:ct="http://schemas.microsoft.com/office/2006/metadata/contentType" xmlns:ma="http://schemas.microsoft.com/office/2006/metadata/properties/metaAttributes" ct:_="" ma:_="" ma:contentTypeName="Document" ma:contentTypeID="0x010100B7FBBCAAAB2EF043AF74C2CFA9FD1685" ma:contentTypeVersion="13" ma:contentTypeDescription="Create a new document." ma:contentTypeScope="" ma:versionID="fa92ebc0255a433b05db9371951c985e">
   <xsd:schema xmlns:xsd="http://www.w3.org/2001/XMLSchema" xmlns:xs="http://www.w3.org/2001/XMLSchema" xmlns:p="http://schemas.microsoft.com/office/2006/metadata/properties" xmlns:ns3="cb538431-b7f7-475a-931e-82838b9ef81e" xmlns:ns4="0ab84358-59a1-4394-9e41-57ad53760b8b" targetNamespace="http://schemas.microsoft.com/office/2006/metadata/properties" ma:root="true" ma:fieldsID="ddb56a419229c26a6952b9200908b6fd" ns3:_="" ns4:_="">
     <xsd:import namespace="cb538431-b7f7-475a-931e-82838b9ef81e"/>
@@ -5352,22 +5383,24 @@
 </ct:contentTypeSchema>
 </file>
 
-<file path=customXml/item2.xml><?xml version="1.0" encoding="utf-8"?>
-<?mso-contentType ?>
-<FormTemplates xmlns="http://schemas.microsoft.com/sharepoint/v3/contenttype/forms">
-  <Display>DocumentLibraryForm</Display>
-  <Edit>DocumentLibraryForm</Edit>
-  <New>DocumentLibraryForm</New>
-</FormTemplates>
+<file path=customXml/itemProps1.xml><?xml version="1.0" encoding="utf-8"?>
+<ds:datastoreItem xmlns:ds="http://schemas.openxmlformats.org/officeDocument/2006/customXml" ds:itemID="{7CC2DB9E-5928-4610-8932-2EFFFC871F3C}">
+  <ds:schemaRefs>
+    <ds:schemaRef ds:uri="http://schemas.microsoft.com/office/2006/metadata/properties"/>
+    <ds:schemaRef ds:uri="http://schemas.microsoft.com/office/infopath/2007/PartnerControls"/>
+  </ds:schemaRefs>
+</ds:datastoreItem>
 </file>
 
-<file path=customXml/item3.xml><?xml version="1.0" encoding="utf-8"?>
-<p:properties xmlns:p="http://schemas.microsoft.com/office/2006/metadata/properties" xmlns:xsi="http://www.w3.org/2001/XMLSchema-instance" xmlns:pc="http://schemas.microsoft.com/office/infopath/2007/PartnerControls">
-  <documentManagement/>
-</p:properties>
+<file path=customXml/itemProps2.xml><?xml version="1.0" encoding="utf-8"?>
+<ds:datastoreItem xmlns:ds="http://schemas.openxmlformats.org/officeDocument/2006/customXml" ds:itemID="{25A8B228-02CF-4190-8421-DEC3AD9B021F}">
+  <ds:schemaRefs>
+    <ds:schemaRef ds:uri="http://schemas.microsoft.com/sharepoint/v3/contenttype/forms"/>
+  </ds:schemaRefs>
+</ds:datastoreItem>
 </file>
 
-<file path=customXml/itemProps1.xml><?xml version="1.0" encoding="utf-8"?>
+<file path=customXml/itemProps3.xml><?xml version="1.0" encoding="utf-8"?>
 <ds:datastoreItem xmlns:ds="http://schemas.openxmlformats.org/officeDocument/2006/customXml" ds:itemID="{84BA2D82-D0A5-4964-9D28-8421C273BC25}">
   <ds:schemaRefs>
     <ds:schemaRef ds:uri="http://schemas.microsoft.com/office/2006/metadata/contentType"/>
@@ -5384,21 +5417,4 @@
     <ds:schemaRef ds:uri="http://schemas.microsoft.com/internal/obd"/>
   </ds:schemaRefs>
 </ds:datastoreItem>
-</file>
-
-<file path=customXml/itemProps2.xml><?xml version="1.0" encoding="utf-8"?>
-<ds:datastoreItem xmlns:ds="http://schemas.openxmlformats.org/officeDocument/2006/customXml" ds:itemID="{25A8B228-02CF-4190-8421-DEC3AD9B021F}">
-  <ds:schemaRefs>
-    <ds:schemaRef ds:uri="http://schemas.microsoft.com/sharepoint/v3/contenttype/forms"/>
-  </ds:schemaRefs>
-</ds:datastoreItem>
-</file>
-
-<file path=customXml/itemProps3.xml><?xml version="1.0" encoding="utf-8"?>
-<ds:datastoreItem xmlns:ds="http://schemas.openxmlformats.org/officeDocument/2006/customXml" ds:itemID="{7CC2DB9E-5928-4610-8932-2EFFFC871F3C}">
-  <ds:schemaRefs>
-    <ds:schemaRef ds:uri="http://schemas.microsoft.com/office/2006/metadata/properties"/>
-    <ds:schemaRef ds:uri="http://schemas.microsoft.com/office/infopath/2007/PartnerControls"/>
-  </ds:schemaRefs>
-</ds:datastoreItem>
 </file>